--- a/figure/_src/system overview2.pptx
+++ b/figure/_src/system overview2.pptx
@@ -117,7 +117,7 @@
   <pc:docChgLst>
     <pc:chgData name="帛佑 閻" userId="7ea761d699caffc4" providerId="LiveId" clId="{1D03B011-5F0D-463D-93F4-66FBBB369C66}"/>
     <pc:docChg chg="undo custSel addSld delSld modSld">
-      <pc:chgData name="帛佑 閻" userId="7ea761d699caffc4" providerId="LiveId" clId="{1D03B011-5F0D-463D-93F4-66FBBB369C66}" dt="2025-08-05T09:47:50.683" v="162" actId="47"/>
+      <pc:chgData name="帛佑 閻" userId="7ea761d699caffc4" providerId="LiveId" clId="{1D03B011-5F0D-463D-93F4-66FBBB369C66}" dt="2025-08-05T09:55:51.191" v="176" actId="478"/>
       <pc:docMkLst>
         <pc:docMk/>
       </pc:docMkLst>
@@ -137,7 +137,7 @@
         </pc:picChg>
       </pc:sldChg>
       <pc:sldChg chg="addSp delSp modSp new mod">
-        <pc:chgData name="帛佑 閻" userId="7ea761d699caffc4" providerId="LiveId" clId="{1D03B011-5F0D-463D-93F4-66FBBB369C66}" dt="2025-08-05T09:47:33.378" v="161" actId="1038"/>
+        <pc:chgData name="帛佑 閻" userId="7ea761d699caffc4" providerId="LiveId" clId="{1D03B011-5F0D-463D-93F4-66FBBB369C66}" dt="2025-08-05T09:55:51.191" v="176" actId="478"/>
         <pc:sldMkLst>
           <pc:docMk/>
           <pc:sldMk cId="2345353068" sldId="257"/>
@@ -148,6 +148,14 @@
             <pc:docMk/>
             <pc:sldMk cId="2345353068" sldId="257"/>
             <ac:spMk id="2" creationId="{095AC314-D2C2-3193-ACE2-A76278DBC5C5}"/>
+          </ac:spMkLst>
+        </pc:spChg>
+        <pc:spChg chg="add del mod">
+          <ac:chgData name="帛佑 閻" userId="7ea761d699caffc4" providerId="LiveId" clId="{1D03B011-5F0D-463D-93F4-66FBBB369C66}" dt="2025-08-05T09:54:39.216" v="164" actId="478"/>
+          <ac:spMkLst>
+            <pc:docMk/>
+            <pc:sldMk cId="2345353068" sldId="257"/>
+            <ac:spMk id="2" creationId="{96C3EB3C-F13F-55EA-4AA4-B5D8B7252A71}"/>
           </ac:spMkLst>
         </pc:spChg>
         <pc:spChg chg="del">
@@ -191,7 +199,7 @@
           </ac:spMkLst>
         </pc:spChg>
         <pc:spChg chg="add mod">
-          <ac:chgData name="帛佑 閻" userId="7ea761d699caffc4" providerId="LiveId" clId="{1D03B011-5F0D-463D-93F4-66FBBB369C66}" dt="2025-08-05T09:43:09.686" v="48" actId="1037"/>
+          <ac:chgData name="帛佑 閻" userId="7ea761d699caffc4" providerId="LiveId" clId="{1D03B011-5F0D-463D-93F4-66FBBB369C66}" dt="2025-08-05T09:55:49.355" v="174" actId="1076"/>
           <ac:spMkLst>
             <pc:docMk/>
             <pc:sldMk cId="2345353068" sldId="257"/>
@@ -430,6 +438,22 @@
             <ac:picMk id="7" creationId="{20F65D5A-F0CD-AD8B-8C90-2BB597CA2DE5}"/>
           </ac:picMkLst>
         </pc:picChg>
+        <pc:cxnChg chg="add del mod">
+          <ac:chgData name="帛佑 閻" userId="7ea761d699caffc4" providerId="LiveId" clId="{1D03B011-5F0D-463D-93F4-66FBBB369C66}" dt="2025-08-05T09:55:51.191" v="176" actId="478"/>
+          <ac:cxnSpMkLst>
+            <pc:docMk/>
+            <pc:sldMk cId="2345353068" sldId="257"/>
+            <ac:cxnSpMk id="4" creationId="{50EFDF5A-B9A1-3260-C884-A48ACC148F46}"/>
+          </ac:cxnSpMkLst>
+        </pc:cxnChg>
+        <pc:cxnChg chg="add del mod">
+          <ac:chgData name="帛佑 閻" userId="7ea761d699caffc4" providerId="LiveId" clId="{1D03B011-5F0D-463D-93F4-66FBBB369C66}" dt="2025-08-05T09:55:50.670" v="175" actId="478"/>
+          <ac:cxnSpMkLst>
+            <pc:docMk/>
+            <pc:sldMk cId="2345353068" sldId="257"/>
+            <ac:cxnSpMk id="6" creationId="{3B2A57A2-AEF7-9EA3-4E92-4CED4FA5D7CD}"/>
+          </ac:cxnSpMkLst>
+        </pc:cxnChg>
       </pc:sldChg>
     </pc:docChg>
   </pc:docChgLst>
